--- a/doc/AMSI - Apresentação de Projeto Final.pptx
+++ b/doc/AMSI - Apresentação de Projeto Final.pptx
@@ -5,10 +5,10 @@
     <p:sldMasterId id="2147483746" r:id="rId1"/>
   </p:sldMasterIdLst>
   <p:notesMasterIdLst>
-    <p:notesMasterId r:id="rId16"/>
+    <p:notesMasterId r:id="rId15"/>
   </p:notesMasterIdLst>
   <p:handoutMasterIdLst>
-    <p:handoutMasterId r:id="rId17"/>
+    <p:handoutMasterId r:id="rId16"/>
   </p:handoutMasterIdLst>
   <p:sldIdLst>
     <p:sldId id="257" r:id="rId2"/>
@@ -16,15 +16,14 @@
     <p:sldId id="260" r:id="rId4"/>
     <p:sldId id="262" r:id="rId5"/>
     <p:sldId id="268" r:id="rId6"/>
-    <p:sldId id="277" r:id="rId7"/>
-    <p:sldId id="269" r:id="rId8"/>
-    <p:sldId id="275" r:id="rId9"/>
-    <p:sldId id="276" r:id="rId10"/>
-    <p:sldId id="274" r:id="rId11"/>
-    <p:sldId id="273" r:id="rId12"/>
-    <p:sldId id="271" r:id="rId13"/>
-    <p:sldId id="272" r:id="rId14"/>
-    <p:sldId id="278" r:id="rId15"/>
+    <p:sldId id="269" r:id="rId7"/>
+    <p:sldId id="275" r:id="rId8"/>
+    <p:sldId id="276" r:id="rId9"/>
+    <p:sldId id="274" r:id="rId10"/>
+    <p:sldId id="273" r:id="rId11"/>
+    <p:sldId id="271" r:id="rId12"/>
+    <p:sldId id="272" r:id="rId13"/>
+    <p:sldId id="278" r:id="rId14"/>
   </p:sldIdLst>
   <p:sldSz cx="12192000" cy="6858000"/>
   <p:notesSz cx="6858000" cy="9144000"/>
@@ -15735,369 +15734,6 @@
           <a:p>
             <a:r>
               <a:rPr lang="pt-PT" dirty="0"/>
-              <a:t>Tecnologias Utilizadas</a:t>
-            </a:r>
-          </a:p>
-        </p:txBody>
-      </p:sp>
-      <p:sp>
-        <p:nvSpPr>
-          <p:cNvPr id="3" name="Marcador de Posição de Conteúdo 2">
-            <a:extLst>
-              <a:ext uri="{FF2B5EF4-FFF2-40B4-BE49-F238E27FC236}">
-                <a16:creationId xmlns:a16="http://schemas.microsoft.com/office/drawing/2014/main" id="{F8E2E07B-ED2C-418E-9ADA-27677E095FED}"/>
-              </a:ext>
-            </a:extLst>
-          </p:cNvPr>
-          <p:cNvSpPr>
-            <a:spLocks noGrp="1"/>
-          </p:cNvSpPr>
-          <p:nvPr>
-            <p:ph idx="1"/>
-          </p:nvPr>
-        </p:nvSpPr>
-        <p:spPr>
-          <a:xfrm>
-            <a:off x="2236206" y="2606126"/>
-            <a:ext cx="8919474" cy="3760891"/>
-          </a:xfrm>
-        </p:spPr>
-        <p:txBody>
-          <a:bodyPr/>
-          <a:lstStyle/>
-          <a:p>
-            <a:pPr marL="342900" lvl="0" indent="-342900" algn="just">
-              <a:lnSpc>
-                <a:spcPct val="115000"/>
-              </a:lnSpc>
-              <a:spcAft>
-                <a:spcPts val="1000"/>
-              </a:spcAft>
-              <a:buFont typeface="Symbol" panose="05050102010706020507" pitchFamily="18" charset="2"/>
-              <a:buChar char=""/>
-            </a:pPr>
-            <a:r>
-              <a:rPr lang="pt-PT" dirty="0"/>
-              <a:t> </a:t>
-            </a:r>
-            <a:r>
-              <a:rPr lang="pt-PT" sz="1800" dirty="0">
-                <a:effectLst/>
-                <a:latin typeface="Times New Roman" panose="02020603050405020304" pitchFamily="18" charset="0"/>
-                <a:ea typeface="Calibri" panose="020F0502020204030204" pitchFamily="34" charset="0"/>
-                <a:cs typeface="Times New Roman" panose="02020603050405020304" pitchFamily="18" charset="0"/>
-              </a:rPr>
-              <a:t>Singleton – Padrão de desenvolvimento de software que garante a existência de apenas uma instância de uma classe, mantendo um ponto global de acesso ao seu objeto. Utilizando o singleton, garantimos a coesão dos dados e a eficiência da aplicação móvel.</a:t>
-            </a:r>
-          </a:p>
-          <a:p>
-            <a:pPr marL="342900" lvl="0" indent="-342900" algn="just">
-              <a:lnSpc>
-                <a:spcPct val="115000"/>
-              </a:lnSpc>
-              <a:spcAft>
-                <a:spcPts val="1000"/>
-              </a:spcAft>
-              <a:buFont typeface="Symbol" panose="05050102010706020507" pitchFamily="18" charset="2"/>
-              <a:buChar char=""/>
-            </a:pPr>
-            <a:r>
-              <a:rPr lang="pt-PT" sz="1800" dirty="0">
-                <a:effectLst/>
-                <a:latin typeface="Times New Roman" panose="02020603050405020304" pitchFamily="18" charset="0"/>
-                <a:ea typeface="Calibri" panose="020F0502020204030204" pitchFamily="34" charset="0"/>
-                <a:cs typeface="Times New Roman" panose="02020603050405020304" pitchFamily="18" charset="0"/>
-              </a:rPr>
-              <a:t> Volley – O Volley é uma biblioteca HTTP que facilita a criação de redes para apps para Android de maneira mais rápida. Conseguimos facilmente aceder à API criada para este propósito e garantir a transmissão de dados entre a base de dados da API e o singleton da aplicação móvel.</a:t>
-            </a:r>
-          </a:p>
-          <a:p>
-            <a:endParaRPr lang="pt-PT" dirty="0"/>
-          </a:p>
-        </p:txBody>
-      </p:sp>
-      <p:sp>
-        <p:nvSpPr>
-          <p:cNvPr id="4" name="Marcador de Posição da Data 3">
-            <a:extLst>
-              <a:ext uri="{FF2B5EF4-FFF2-40B4-BE49-F238E27FC236}">
-                <a16:creationId xmlns:a16="http://schemas.microsoft.com/office/drawing/2014/main" id="{D39D5CD8-B4A7-41D6-B2ED-6E15F8AD2D78}"/>
-              </a:ext>
-            </a:extLst>
-          </p:cNvPr>
-          <p:cNvSpPr>
-            <a:spLocks noGrp="1"/>
-          </p:cNvSpPr>
-          <p:nvPr>
-            <p:ph type="dt" sz="half" idx="10"/>
-          </p:nvPr>
-        </p:nvSpPr>
-        <p:spPr/>
-        <p:txBody>
-          <a:bodyPr/>
-          <a:lstStyle/>
-          <a:p>
-            <a:pPr rtl="0"/>
-            <a:fld id="{BBC3D2EF-A9F1-401A-8C02-1662D96CBA0D}" type="datetime1">
-              <a:rPr lang="pt-PT" smtClean="0"/>
-              <a:t>23/01/2022</a:t>
-            </a:fld>
-            <a:endParaRPr lang="en-US" dirty="0"/>
-          </a:p>
-        </p:txBody>
-      </p:sp>
-      <p:pic>
-        <p:nvPicPr>
-          <p:cNvPr id="5" name="Imagem 4">
-            <a:extLst>
-              <a:ext uri="{FF2B5EF4-FFF2-40B4-BE49-F238E27FC236}">
-                <a16:creationId xmlns:a16="http://schemas.microsoft.com/office/drawing/2014/main" id="{0CFA3182-8775-448B-805B-FAD48BBA9BD7}"/>
-              </a:ext>
-            </a:extLst>
-          </p:cNvPr>
-          <p:cNvPicPr>
-            <a:picLocks noChangeAspect="1"/>
-          </p:cNvPicPr>
-          <p:nvPr/>
-        </p:nvPicPr>
-        <p:blipFill>
-          <a:blip r:embed="rId2">
-            <a:extLst>
-              <a:ext uri="{28A0092B-C50C-407E-A947-70E740481C1C}">
-                <a14:useLocalDpi xmlns:a14="http://schemas.microsoft.com/office/drawing/2010/main" val="0"/>
-              </a:ext>
-            </a:extLst>
-          </a:blip>
-          <a:stretch>
-            <a:fillRect/>
-          </a:stretch>
-        </p:blipFill>
-        <p:spPr>
-          <a:xfrm>
-            <a:off x="175246" y="6426960"/>
-            <a:ext cx="592505" cy="404879"/>
-          </a:xfrm>
-          <a:prstGeom prst="rect">
-            <a:avLst/>
-          </a:prstGeom>
-          <a:effectLst>
-            <a:outerShdw blurRad="76200" dist="12700" dir="2700000" sy="-23000" kx="-800400" algn="bl" rotWithShape="0">
-              <a:prstClr val="black">
-                <a:alpha val="20000"/>
-              </a:prstClr>
-            </a:outerShdw>
-          </a:effectLst>
-        </p:spPr>
-      </p:pic>
-      <p:pic>
-        <p:nvPicPr>
-          <p:cNvPr id="11" name="Gráfico 10" descr="Engrenagens com preenchimento sólido">
-            <a:extLst>
-              <a:ext uri="{FF2B5EF4-FFF2-40B4-BE49-F238E27FC236}">
-                <a16:creationId xmlns:a16="http://schemas.microsoft.com/office/drawing/2014/main" id="{EA867381-44FA-41E3-97C2-0BF332A2ECC3}"/>
-              </a:ext>
-            </a:extLst>
-          </p:cNvPr>
-          <p:cNvPicPr>
-            <a:picLocks noChangeAspect="1"/>
-          </p:cNvPicPr>
-          <p:nvPr/>
-        </p:nvPicPr>
-        <p:blipFill>
-          <a:blip r:embed="rId3">
-            <a:extLst>
-              <a:ext uri="{28A0092B-C50C-407E-A947-70E740481C1C}">
-                <a14:useLocalDpi xmlns:a14="http://schemas.microsoft.com/office/drawing/2010/main" val="0"/>
-              </a:ext>
-              <a:ext uri="{96DAC541-7B7A-43D3-8B79-37D633B846F1}">
-                <asvg:svgBlip xmlns:asvg="http://schemas.microsoft.com/office/drawing/2016/SVG/main" r:embed="rId4"/>
-              </a:ext>
-            </a:extLst>
-          </a:blip>
-          <a:stretch>
-            <a:fillRect/>
-          </a:stretch>
-        </p:blipFill>
-        <p:spPr>
-          <a:xfrm>
-            <a:off x="7462800" y="976989"/>
-            <a:ext cx="914400" cy="914400"/>
-          </a:xfrm>
-          <a:prstGeom prst="rect">
-            <a:avLst/>
-          </a:prstGeom>
-        </p:spPr>
-      </p:pic>
-      <p:pic>
-        <p:nvPicPr>
-          <p:cNvPr id="13" name="Gráfico 12" descr="Engrenagens destaque">
-            <a:extLst>
-              <a:ext uri="{FF2B5EF4-FFF2-40B4-BE49-F238E27FC236}">
-                <a16:creationId xmlns:a16="http://schemas.microsoft.com/office/drawing/2014/main" id="{B3DB18B8-3E15-459E-B45A-855E6ACAD91B}"/>
-              </a:ext>
-            </a:extLst>
-          </p:cNvPr>
-          <p:cNvPicPr>
-            <a:picLocks noChangeAspect="1"/>
-          </p:cNvPicPr>
-          <p:nvPr/>
-        </p:nvPicPr>
-        <p:blipFill>
-          <a:blip r:embed="rId5">
-            <a:extLst>
-              <a:ext uri="{28A0092B-C50C-407E-A947-70E740481C1C}">
-                <a14:useLocalDpi xmlns:a14="http://schemas.microsoft.com/office/drawing/2010/main" val="0"/>
-              </a:ext>
-              <a:ext uri="{96DAC541-7B7A-43D3-8B79-37D633B846F1}">
-                <asvg:svgBlip xmlns:asvg="http://schemas.microsoft.com/office/drawing/2016/SVG/main" r:embed="rId6"/>
-              </a:ext>
-            </a:extLst>
-          </a:blip>
-          <a:stretch>
-            <a:fillRect/>
-          </a:stretch>
-        </p:blipFill>
-        <p:spPr>
-          <a:xfrm>
-            <a:off x="8089895" y="976989"/>
-            <a:ext cx="914400" cy="914400"/>
-          </a:xfrm>
-          <a:prstGeom prst="rect">
-            <a:avLst/>
-          </a:prstGeom>
-        </p:spPr>
-      </p:pic>
-      <p:pic>
-        <p:nvPicPr>
-          <p:cNvPr id="15" name="Gráfico 14" descr="Velocímetro baixo com preenchimento sólido">
-            <a:extLst>
-              <a:ext uri="{FF2B5EF4-FFF2-40B4-BE49-F238E27FC236}">
-                <a16:creationId xmlns:a16="http://schemas.microsoft.com/office/drawing/2014/main" id="{77C3C3F9-FBA2-4F6F-B61F-02DEEFE2D8B2}"/>
-              </a:ext>
-            </a:extLst>
-          </p:cNvPr>
-          <p:cNvPicPr>
-            <a:picLocks noChangeAspect="1"/>
-          </p:cNvPicPr>
-          <p:nvPr/>
-        </p:nvPicPr>
-        <p:blipFill>
-          <a:blip r:embed="rId7">
-            <a:extLst>
-              <a:ext uri="{28A0092B-C50C-407E-A947-70E740481C1C}">
-                <a14:useLocalDpi xmlns:a14="http://schemas.microsoft.com/office/drawing/2010/main" val="0"/>
-              </a:ext>
-              <a:ext uri="{96DAC541-7B7A-43D3-8B79-37D633B846F1}">
-                <asvg:svgBlip xmlns:asvg="http://schemas.microsoft.com/office/drawing/2016/SVG/main" r:embed="rId8"/>
-              </a:ext>
-            </a:extLst>
-          </a:blip>
-          <a:stretch>
-            <a:fillRect/>
-          </a:stretch>
-        </p:blipFill>
-        <p:spPr>
-          <a:xfrm>
-            <a:off x="1186313" y="2406950"/>
-            <a:ext cx="914400" cy="914400"/>
-          </a:xfrm>
-          <a:prstGeom prst="rect">
-            <a:avLst/>
-          </a:prstGeom>
-        </p:spPr>
-      </p:pic>
-      <p:pic>
-        <p:nvPicPr>
-          <p:cNvPr id="18" name="Gráfico 17" descr="Velocímetro baixo com preenchimento sólido">
-            <a:extLst>
-              <a:ext uri="{FF2B5EF4-FFF2-40B4-BE49-F238E27FC236}">
-                <a16:creationId xmlns:a16="http://schemas.microsoft.com/office/drawing/2014/main" id="{E01A1A8A-199F-4329-95C9-D85AC0C5CDDA}"/>
-              </a:ext>
-            </a:extLst>
-          </p:cNvPr>
-          <p:cNvPicPr>
-            <a:picLocks noChangeAspect="1"/>
-          </p:cNvPicPr>
-          <p:nvPr/>
-        </p:nvPicPr>
-        <p:blipFill>
-          <a:blip r:embed="rId7">
-            <a:extLst>
-              <a:ext uri="{28A0092B-C50C-407E-A947-70E740481C1C}">
-                <a14:useLocalDpi xmlns:a14="http://schemas.microsoft.com/office/drawing/2010/main" val="0"/>
-              </a:ext>
-              <a:ext uri="{96DAC541-7B7A-43D3-8B79-37D633B846F1}">
-                <asvg:svgBlip xmlns:asvg="http://schemas.microsoft.com/office/drawing/2016/SVG/main" r:embed="rId8"/>
-              </a:ext>
-            </a:extLst>
-          </a:blip>
-          <a:stretch>
-            <a:fillRect/>
-          </a:stretch>
-        </p:blipFill>
-        <p:spPr>
-          <a:xfrm>
-            <a:off x="1186313" y="3618101"/>
-            <a:ext cx="914400" cy="914400"/>
-          </a:xfrm>
-          <a:prstGeom prst="rect">
-            <a:avLst/>
-          </a:prstGeom>
-        </p:spPr>
-      </p:pic>
-    </p:spTree>
-    <p:extLst>
-      <p:ext uri="{BB962C8B-B14F-4D97-AF65-F5344CB8AC3E}">
-        <p14:creationId xmlns:p14="http://schemas.microsoft.com/office/powerpoint/2010/main" val="3821588851"/>
-      </p:ext>
-    </p:extLst>
-  </p:cSld>
-  <p:clrMapOvr>
-    <a:masterClrMapping/>
-  </p:clrMapOvr>
-</p:sld>
-</file>
-
-<file path=ppt/slides/slide11.xml><?xml version="1.0" encoding="utf-8"?>
-<p:sld xmlns:a="http://schemas.openxmlformats.org/drawingml/2006/main" xmlns:r="http://schemas.openxmlformats.org/officeDocument/2006/relationships" xmlns:p="http://schemas.openxmlformats.org/presentationml/2006/main">
-  <p:cSld>
-    <p:spTree>
-      <p:nvGrpSpPr>
-        <p:cNvPr id="1" name=""/>
-        <p:cNvGrpSpPr/>
-        <p:nvPr/>
-      </p:nvGrpSpPr>
-      <p:grpSpPr>
-        <a:xfrm>
-          <a:off x="0" y="0"/>
-          <a:ext cx="0" cy="0"/>
-          <a:chOff x="0" y="0"/>
-          <a:chExt cx="0" cy="0"/>
-        </a:xfrm>
-      </p:grpSpPr>
-      <p:sp>
-        <p:nvSpPr>
-          <p:cNvPr id="2" name="Título 1">
-            <a:extLst>
-              <a:ext uri="{FF2B5EF4-FFF2-40B4-BE49-F238E27FC236}">
-                <a16:creationId xmlns:a16="http://schemas.microsoft.com/office/drawing/2014/main" id="{754E3DE1-663A-499B-A9D7-A3E810A79F45}"/>
-              </a:ext>
-            </a:extLst>
-          </p:cNvPr>
-          <p:cNvSpPr>
-            <a:spLocks noGrp="1"/>
-          </p:cNvSpPr>
-          <p:nvPr>
-            <p:ph type="title"/>
-          </p:nvPr>
-        </p:nvSpPr>
-        <p:spPr/>
-        <p:txBody>
-          <a:bodyPr/>
-          <a:lstStyle/>
-          <a:p>
-            <a:r>
-              <a:rPr lang="pt-PT" dirty="0"/>
               <a:t>Planeamento e Metodologias</a:t>
             </a:r>
           </a:p>
@@ -16296,7 +15932,7 @@
 </p:sld>
 </file>
 
-<file path=ppt/slides/slide12.xml><?xml version="1.0" encoding="utf-8"?>
+<file path=ppt/slides/slide11.xml><?xml version="1.0" encoding="utf-8"?>
 <p:sld xmlns:a="http://schemas.openxmlformats.org/drawingml/2006/main" xmlns:r="http://schemas.openxmlformats.org/officeDocument/2006/relationships" xmlns:p="http://schemas.openxmlformats.org/presentationml/2006/main">
   <p:cSld>
     <p:spTree>
@@ -16534,7 +16170,7 @@
 </p:sld>
 </file>
 
-<file path=ppt/slides/slide13.xml><?xml version="1.0" encoding="utf-8"?>
+<file path=ppt/slides/slide12.xml><?xml version="1.0" encoding="utf-8"?>
 <p:sld xmlns:a="http://schemas.openxmlformats.org/drawingml/2006/main" xmlns:r="http://schemas.openxmlformats.org/officeDocument/2006/relationships" xmlns:p="http://schemas.openxmlformats.org/presentationml/2006/main">
   <p:cSld>
     <p:spTree>
@@ -16833,7 +16469,7 @@
 </p:sld>
 </file>
 
-<file path=ppt/slides/slide14.xml><?xml version="1.0" encoding="utf-8"?>
+<file path=ppt/slides/slide13.xml><?xml version="1.0" encoding="utf-8"?>
 <p:sld xmlns:a="http://schemas.openxmlformats.org/drawingml/2006/main" xmlns:r="http://schemas.openxmlformats.org/officeDocument/2006/relationships" xmlns:p="http://schemas.openxmlformats.org/presentationml/2006/main">
   <p:cSld>
     <p:bg>
@@ -18103,122 +17739,6 @@
           <p:cNvPr id="2" name="Título 1">
             <a:extLst>
               <a:ext uri="{FF2B5EF4-FFF2-40B4-BE49-F238E27FC236}">
-                <a16:creationId xmlns:a16="http://schemas.microsoft.com/office/drawing/2014/main" id="{BDE8EC10-33F0-4144-9140-58EBD769F169}"/>
-              </a:ext>
-            </a:extLst>
-          </p:cNvPr>
-          <p:cNvSpPr>
-            <a:spLocks noGrp="1"/>
-          </p:cNvSpPr>
-          <p:nvPr>
-            <p:ph type="title"/>
-          </p:nvPr>
-        </p:nvSpPr>
-        <p:spPr/>
-        <p:txBody>
-          <a:bodyPr/>
-          <a:lstStyle/>
-          <a:p>
-            <a:r>
-              <a:rPr lang="pt-PT" dirty="0"/>
-              <a:t>Motivações?</a:t>
-            </a:r>
-          </a:p>
-        </p:txBody>
-      </p:sp>
-      <p:sp>
-        <p:nvSpPr>
-          <p:cNvPr id="3" name="Marcador de Posição de Conteúdo 2">
-            <a:extLst>
-              <a:ext uri="{FF2B5EF4-FFF2-40B4-BE49-F238E27FC236}">
-                <a16:creationId xmlns:a16="http://schemas.microsoft.com/office/drawing/2014/main" id="{498C52A0-56AD-447F-8335-7AFAD5E3FEE1}"/>
-              </a:ext>
-            </a:extLst>
-          </p:cNvPr>
-          <p:cNvSpPr>
-            <a:spLocks noGrp="1"/>
-          </p:cNvSpPr>
-          <p:nvPr>
-            <p:ph idx="1"/>
-          </p:nvPr>
-        </p:nvSpPr>
-        <p:spPr/>
-        <p:txBody>
-          <a:bodyPr/>
-          <a:lstStyle/>
-          <a:p>
-            <a:r>
-              <a:rPr lang="pt-PT" dirty="0"/>
-              <a:t>????????????????</a:t>
-            </a:r>
-          </a:p>
-        </p:txBody>
-      </p:sp>
-      <p:sp>
-        <p:nvSpPr>
-          <p:cNvPr id="4" name="Marcador de Posição da Data 3">
-            <a:extLst>
-              <a:ext uri="{FF2B5EF4-FFF2-40B4-BE49-F238E27FC236}">
-                <a16:creationId xmlns:a16="http://schemas.microsoft.com/office/drawing/2014/main" id="{ED29A394-B01F-47C1-AA52-909C7442157F}"/>
-              </a:ext>
-            </a:extLst>
-          </p:cNvPr>
-          <p:cNvSpPr>
-            <a:spLocks noGrp="1"/>
-          </p:cNvSpPr>
-          <p:nvPr>
-            <p:ph type="dt" sz="half" idx="10"/>
-          </p:nvPr>
-        </p:nvSpPr>
-        <p:spPr/>
-        <p:txBody>
-          <a:bodyPr/>
-          <a:lstStyle/>
-          <a:p>
-            <a:pPr rtl="0"/>
-            <a:fld id="{BBC3D2EF-A9F1-401A-8C02-1662D96CBA0D}" type="datetime1">
-              <a:rPr lang="pt-PT" smtClean="0"/>
-              <a:t>23/01/2022</a:t>
-            </a:fld>
-            <a:endParaRPr lang="en-US" dirty="0"/>
-          </a:p>
-        </p:txBody>
-      </p:sp>
-    </p:spTree>
-    <p:extLst>
-      <p:ext uri="{BB962C8B-B14F-4D97-AF65-F5344CB8AC3E}">
-        <p14:creationId xmlns:p14="http://schemas.microsoft.com/office/powerpoint/2010/main" val="1895446478"/>
-      </p:ext>
-    </p:extLst>
-  </p:cSld>
-  <p:clrMapOvr>
-    <a:masterClrMapping/>
-  </p:clrMapOvr>
-</p:sld>
-</file>
-
-<file path=ppt/slides/slide7.xml><?xml version="1.0" encoding="utf-8"?>
-<p:sld xmlns:a="http://schemas.openxmlformats.org/drawingml/2006/main" xmlns:r="http://schemas.openxmlformats.org/officeDocument/2006/relationships" xmlns:p="http://schemas.openxmlformats.org/presentationml/2006/main">
-  <p:cSld>
-    <p:spTree>
-      <p:nvGrpSpPr>
-        <p:cNvPr id="1" name=""/>
-        <p:cNvGrpSpPr/>
-        <p:nvPr/>
-      </p:nvGrpSpPr>
-      <p:grpSpPr>
-        <a:xfrm>
-          <a:off x="0" y="0"/>
-          <a:ext cx="0" cy="0"/>
-          <a:chOff x="0" y="0"/>
-          <a:chExt cx="0" cy="0"/>
-        </a:xfrm>
-      </p:grpSpPr>
-      <p:sp>
-        <p:nvSpPr>
-          <p:cNvPr id="2" name="Título 1">
-            <a:extLst>
-              <a:ext uri="{FF2B5EF4-FFF2-40B4-BE49-F238E27FC236}">
                 <a16:creationId xmlns:a16="http://schemas.microsoft.com/office/drawing/2014/main" id="{754E3DE1-663A-499B-A9D7-A3E810A79F45}"/>
               </a:ext>
             </a:extLst>
@@ -18494,7 +18014,7 @@
 </p:sld>
 </file>
 
-<file path=ppt/slides/slide8.xml><?xml version="1.0" encoding="utf-8"?>
+<file path=ppt/slides/slide7.xml><?xml version="1.0" encoding="utf-8"?>
 <p:sld xmlns:a="http://schemas.openxmlformats.org/drawingml/2006/main" xmlns:r="http://schemas.openxmlformats.org/officeDocument/2006/relationships" xmlns:p="http://schemas.openxmlformats.org/presentationml/2006/main">
   <p:cSld>
     <p:spTree>
@@ -18784,7 +18304,7 @@
 </p:sld>
 </file>
 
-<file path=ppt/slides/slide9.xml><?xml version="1.0" encoding="utf-8"?>
+<file path=ppt/slides/slide8.xml><?xml version="1.0" encoding="utf-8"?>
 <p:sld xmlns:a="http://schemas.openxmlformats.org/drawingml/2006/main" xmlns:r="http://schemas.openxmlformats.org/officeDocument/2006/relationships" xmlns:p="http://schemas.openxmlformats.org/presentationml/2006/main">
   <p:cSld>
     <p:spTree>
@@ -19065,6 +18585,369 @@
     <p:extLst>
       <p:ext uri="{BB962C8B-B14F-4D97-AF65-F5344CB8AC3E}">
         <p14:creationId xmlns:p14="http://schemas.microsoft.com/office/powerpoint/2010/main" val="2970303349"/>
+      </p:ext>
+    </p:extLst>
+  </p:cSld>
+  <p:clrMapOvr>
+    <a:masterClrMapping/>
+  </p:clrMapOvr>
+</p:sld>
+</file>
+
+<file path=ppt/slides/slide9.xml><?xml version="1.0" encoding="utf-8"?>
+<p:sld xmlns:a="http://schemas.openxmlformats.org/drawingml/2006/main" xmlns:r="http://schemas.openxmlformats.org/officeDocument/2006/relationships" xmlns:p="http://schemas.openxmlformats.org/presentationml/2006/main">
+  <p:cSld>
+    <p:spTree>
+      <p:nvGrpSpPr>
+        <p:cNvPr id="1" name=""/>
+        <p:cNvGrpSpPr/>
+        <p:nvPr/>
+      </p:nvGrpSpPr>
+      <p:grpSpPr>
+        <a:xfrm>
+          <a:off x="0" y="0"/>
+          <a:ext cx="0" cy="0"/>
+          <a:chOff x="0" y="0"/>
+          <a:chExt cx="0" cy="0"/>
+        </a:xfrm>
+      </p:grpSpPr>
+      <p:sp>
+        <p:nvSpPr>
+          <p:cNvPr id="2" name="Título 1">
+            <a:extLst>
+              <a:ext uri="{FF2B5EF4-FFF2-40B4-BE49-F238E27FC236}">
+                <a16:creationId xmlns:a16="http://schemas.microsoft.com/office/drawing/2014/main" id="{754E3DE1-663A-499B-A9D7-A3E810A79F45}"/>
+              </a:ext>
+            </a:extLst>
+          </p:cNvPr>
+          <p:cNvSpPr>
+            <a:spLocks noGrp="1"/>
+          </p:cNvSpPr>
+          <p:nvPr>
+            <p:ph type="title"/>
+          </p:nvPr>
+        </p:nvSpPr>
+        <p:spPr/>
+        <p:txBody>
+          <a:bodyPr/>
+          <a:lstStyle/>
+          <a:p>
+            <a:r>
+              <a:rPr lang="pt-PT" dirty="0"/>
+              <a:t>Tecnologias Utilizadas</a:t>
+            </a:r>
+          </a:p>
+        </p:txBody>
+      </p:sp>
+      <p:sp>
+        <p:nvSpPr>
+          <p:cNvPr id="3" name="Marcador de Posição de Conteúdo 2">
+            <a:extLst>
+              <a:ext uri="{FF2B5EF4-FFF2-40B4-BE49-F238E27FC236}">
+                <a16:creationId xmlns:a16="http://schemas.microsoft.com/office/drawing/2014/main" id="{F8E2E07B-ED2C-418E-9ADA-27677E095FED}"/>
+              </a:ext>
+            </a:extLst>
+          </p:cNvPr>
+          <p:cNvSpPr>
+            <a:spLocks noGrp="1"/>
+          </p:cNvSpPr>
+          <p:nvPr>
+            <p:ph idx="1"/>
+          </p:nvPr>
+        </p:nvSpPr>
+        <p:spPr>
+          <a:xfrm>
+            <a:off x="2236206" y="2606126"/>
+            <a:ext cx="8919474" cy="3760891"/>
+          </a:xfrm>
+        </p:spPr>
+        <p:txBody>
+          <a:bodyPr/>
+          <a:lstStyle/>
+          <a:p>
+            <a:pPr marL="342900" lvl="0" indent="-342900" algn="just">
+              <a:lnSpc>
+                <a:spcPct val="115000"/>
+              </a:lnSpc>
+              <a:spcAft>
+                <a:spcPts val="1000"/>
+              </a:spcAft>
+              <a:buFont typeface="Symbol" panose="05050102010706020507" pitchFamily="18" charset="2"/>
+              <a:buChar char=""/>
+            </a:pPr>
+            <a:r>
+              <a:rPr lang="pt-PT" dirty="0"/>
+              <a:t> </a:t>
+            </a:r>
+            <a:r>
+              <a:rPr lang="pt-PT" sz="1800" dirty="0">
+                <a:effectLst/>
+                <a:latin typeface="Times New Roman" panose="02020603050405020304" pitchFamily="18" charset="0"/>
+                <a:ea typeface="Calibri" panose="020F0502020204030204" pitchFamily="34" charset="0"/>
+                <a:cs typeface="Times New Roman" panose="02020603050405020304" pitchFamily="18" charset="0"/>
+              </a:rPr>
+              <a:t>Singleton – Padrão de desenvolvimento de software que garante a existência de apenas uma instância de uma classe, mantendo um ponto global de acesso ao seu objeto. Utilizando o singleton, garantimos a coesão dos dados e a eficiência da aplicação móvel.</a:t>
+            </a:r>
+          </a:p>
+          <a:p>
+            <a:pPr marL="342900" lvl="0" indent="-342900" algn="just">
+              <a:lnSpc>
+                <a:spcPct val="115000"/>
+              </a:lnSpc>
+              <a:spcAft>
+                <a:spcPts val="1000"/>
+              </a:spcAft>
+              <a:buFont typeface="Symbol" panose="05050102010706020507" pitchFamily="18" charset="2"/>
+              <a:buChar char=""/>
+            </a:pPr>
+            <a:r>
+              <a:rPr lang="pt-PT" sz="1800" dirty="0">
+                <a:effectLst/>
+                <a:latin typeface="Times New Roman" panose="02020603050405020304" pitchFamily="18" charset="0"/>
+                <a:ea typeface="Calibri" panose="020F0502020204030204" pitchFamily="34" charset="0"/>
+                <a:cs typeface="Times New Roman" panose="02020603050405020304" pitchFamily="18" charset="0"/>
+              </a:rPr>
+              <a:t> Volley – O Volley é uma biblioteca HTTP que facilita a criação de redes para apps para Android de maneira mais rápida. Conseguimos facilmente aceder à API criada para este propósito e garantir a transmissão de dados entre a base de dados da API e o singleton da aplicação móvel.</a:t>
+            </a:r>
+          </a:p>
+          <a:p>
+            <a:endParaRPr lang="pt-PT" dirty="0"/>
+          </a:p>
+        </p:txBody>
+      </p:sp>
+      <p:sp>
+        <p:nvSpPr>
+          <p:cNvPr id="4" name="Marcador de Posição da Data 3">
+            <a:extLst>
+              <a:ext uri="{FF2B5EF4-FFF2-40B4-BE49-F238E27FC236}">
+                <a16:creationId xmlns:a16="http://schemas.microsoft.com/office/drawing/2014/main" id="{D39D5CD8-B4A7-41D6-B2ED-6E15F8AD2D78}"/>
+              </a:ext>
+            </a:extLst>
+          </p:cNvPr>
+          <p:cNvSpPr>
+            <a:spLocks noGrp="1"/>
+          </p:cNvSpPr>
+          <p:nvPr>
+            <p:ph type="dt" sz="half" idx="10"/>
+          </p:nvPr>
+        </p:nvSpPr>
+        <p:spPr/>
+        <p:txBody>
+          <a:bodyPr/>
+          <a:lstStyle/>
+          <a:p>
+            <a:pPr rtl="0"/>
+            <a:fld id="{BBC3D2EF-A9F1-401A-8C02-1662D96CBA0D}" type="datetime1">
+              <a:rPr lang="pt-PT" smtClean="0"/>
+              <a:t>23/01/2022</a:t>
+            </a:fld>
+            <a:endParaRPr lang="en-US" dirty="0"/>
+          </a:p>
+        </p:txBody>
+      </p:sp>
+      <p:pic>
+        <p:nvPicPr>
+          <p:cNvPr id="5" name="Imagem 4">
+            <a:extLst>
+              <a:ext uri="{FF2B5EF4-FFF2-40B4-BE49-F238E27FC236}">
+                <a16:creationId xmlns:a16="http://schemas.microsoft.com/office/drawing/2014/main" id="{0CFA3182-8775-448B-805B-FAD48BBA9BD7}"/>
+              </a:ext>
+            </a:extLst>
+          </p:cNvPr>
+          <p:cNvPicPr>
+            <a:picLocks noChangeAspect="1"/>
+          </p:cNvPicPr>
+          <p:nvPr/>
+        </p:nvPicPr>
+        <p:blipFill>
+          <a:blip r:embed="rId2">
+            <a:extLst>
+              <a:ext uri="{28A0092B-C50C-407E-A947-70E740481C1C}">
+                <a14:useLocalDpi xmlns:a14="http://schemas.microsoft.com/office/drawing/2010/main" val="0"/>
+              </a:ext>
+            </a:extLst>
+          </a:blip>
+          <a:stretch>
+            <a:fillRect/>
+          </a:stretch>
+        </p:blipFill>
+        <p:spPr>
+          <a:xfrm>
+            <a:off x="175246" y="6426960"/>
+            <a:ext cx="592505" cy="404879"/>
+          </a:xfrm>
+          <a:prstGeom prst="rect">
+            <a:avLst/>
+          </a:prstGeom>
+          <a:effectLst>
+            <a:outerShdw blurRad="76200" dist="12700" dir="2700000" sy="-23000" kx="-800400" algn="bl" rotWithShape="0">
+              <a:prstClr val="black">
+                <a:alpha val="20000"/>
+              </a:prstClr>
+            </a:outerShdw>
+          </a:effectLst>
+        </p:spPr>
+      </p:pic>
+      <p:pic>
+        <p:nvPicPr>
+          <p:cNvPr id="11" name="Gráfico 10" descr="Engrenagens com preenchimento sólido">
+            <a:extLst>
+              <a:ext uri="{FF2B5EF4-FFF2-40B4-BE49-F238E27FC236}">
+                <a16:creationId xmlns:a16="http://schemas.microsoft.com/office/drawing/2014/main" id="{EA867381-44FA-41E3-97C2-0BF332A2ECC3}"/>
+              </a:ext>
+            </a:extLst>
+          </p:cNvPr>
+          <p:cNvPicPr>
+            <a:picLocks noChangeAspect="1"/>
+          </p:cNvPicPr>
+          <p:nvPr/>
+        </p:nvPicPr>
+        <p:blipFill>
+          <a:blip r:embed="rId3">
+            <a:extLst>
+              <a:ext uri="{28A0092B-C50C-407E-A947-70E740481C1C}">
+                <a14:useLocalDpi xmlns:a14="http://schemas.microsoft.com/office/drawing/2010/main" val="0"/>
+              </a:ext>
+              <a:ext uri="{96DAC541-7B7A-43D3-8B79-37D633B846F1}">
+                <asvg:svgBlip xmlns:asvg="http://schemas.microsoft.com/office/drawing/2016/SVG/main" r:embed="rId4"/>
+              </a:ext>
+            </a:extLst>
+          </a:blip>
+          <a:stretch>
+            <a:fillRect/>
+          </a:stretch>
+        </p:blipFill>
+        <p:spPr>
+          <a:xfrm>
+            <a:off x="7462800" y="976989"/>
+            <a:ext cx="914400" cy="914400"/>
+          </a:xfrm>
+          <a:prstGeom prst="rect">
+            <a:avLst/>
+          </a:prstGeom>
+        </p:spPr>
+      </p:pic>
+      <p:pic>
+        <p:nvPicPr>
+          <p:cNvPr id="13" name="Gráfico 12" descr="Engrenagens destaque">
+            <a:extLst>
+              <a:ext uri="{FF2B5EF4-FFF2-40B4-BE49-F238E27FC236}">
+                <a16:creationId xmlns:a16="http://schemas.microsoft.com/office/drawing/2014/main" id="{B3DB18B8-3E15-459E-B45A-855E6ACAD91B}"/>
+              </a:ext>
+            </a:extLst>
+          </p:cNvPr>
+          <p:cNvPicPr>
+            <a:picLocks noChangeAspect="1"/>
+          </p:cNvPicPr>
+          <p:nvPr/>
+        </p:nvPicPr>
+        <p:blipFill>
+          <a:blip r:embed="rId5">
+            <a:extLst>
+              <a:ext uri="{28A0092B-C50C-407E-A947-70E740481C1C}">
+                <a14:useLocalDpi xmlns:a14="http://schemas.microsoft.com/office/drawing/2010/main" val="0"/>
+              </a:ext>
+              <a:ext uri="{96DAC541-7B7A-43D3-8B79-37D633B846F1}">
+                <asvg:svgBlip xmlns:asvg="http://schemas.microsoft.com/office/drawing/2016/SVG/main" r:embed="rId6"/>
+              </a:ext>
+            </a:extLst>
+          </a:blip>
+          <a:stretch>
+            <a:fillRect/>
+          </a:stretch>
+        </p:blipFill>
+        <p:spPr>
+          <a:xfrm>
+            <a:off x="8089895" y="976989"/>
+            <a:ext cx="914400" cy="914400"/>
+          </a:xfrm>
+          <a:prstGeom prst="rect">
+            <a:avLst/>
+          </a:prstGeom>
+        </p:spPr>
+      </p:pic>
+      <p:pic>
+        <p:nvPicPr>
+          <p:cNvPr id="15" name="Gráfico 14" descr="Velocímetro baixo com preenchimento sólido">
+            <a:extLst>
+              <a:ext uri="{FF2B5EF4-FFF2-40B4-BE49-F238E27FC236}">
+                <a16:creationId xmlns:a16="http://schemas.microsoft.com/office/drawing/2014/main" id="{77C3C3F9-FBA2-4F6F-B61F-02DEEFE2D8B2}"/>
+              </a:ext>
+            </a:extLst>
+          </p:cNvPr>
+          <p:cNvPicPr>
+            <a:picLocks noChangeAspect="1"/>
+          </p:cNvPicPr>
+          <p:nvPr/>
+        </p:nvPicPr>
+        <p:blipFill>
+          <a:blip r:embed="rId7">
+            <a:extLst>
+              <a:ext uri="{28A0092B-C50C-407E-A947-70E740481C1C}">
+                <a14:useLocalDpi xmlns:a14="http://schemas.microsoft.com/office/drawing/2010/main" val="0"/>
+              </a:ext>
+              <a:ext uri="{96DAC541-7B7A-43D3-8B79-37D633B846F1}">
+                <asvg:svgBlip xmlns:asvg="http://schemas.microsoft.com/office/drawing/2016/SVG/main" r:embed="rId8"/>
+              </a:ext>
+            </a:extLst>
+          </a:blip>
+          <a:stretch>
+            <a:fillRect/>
+          </a:stretch>
+        </p:blipFill>
+        <p:spPr>
+          <a:xfrm>
+            <a:off x="1186313" y="2406950"/>
+            <a:ext cx="914400" cy="914400"/>
+          </a:xfrm>
+          <a:prstGeom prst="rect">
+            <a:avLst/>
+          </a:prstGeom>
+        </p:spPr>
+      </p:pic>
+      <p:pic>
+        <p:nvPicPr>
+          <p:cNvPr id="18" name="Gráfico 17" descr="Velocímetro baixo com preenchimento sólido">
+            <a:extLst>
+              <a:ext uri="{FF2B5EF4-FFF2-40B4-BE49-F238E27FC236}">
+                <a16:creationId xmlns:a16="http://schemas.microsoft.com/office/drawing/2014/main" id="{E01A1A8A-199F-4329-95C9-D85AC0C5CDDA}"/>
+              </a:ext>
+            </a:extLst>
+          </p:cNvPr>
+          <p:cNvPicPr>
+            <a:picLocks noChangeAspect="1"/>
+          </p:cNvPicPr>
+          <p:nvPr/>
+        </p:nvPicPr>
+        <p:blipFill>
+          <a:blip r:embed="rId7">
+            <a:extLst>
+              <a:ext uri="{28A0092B-C50C-407E-A947-70E740481C1C}">
+                <a14:useLocalDpi xmlns:a14="http://schemas.microsoft.com/office/drawing/2010/main" val="0"/>
+              </a:ext>
+              <a:ext uri="{96DAC541-7B7A-43D3-8B79-37D633B846F1}">
+                <asvg:svgBlip xmlns:asvg="http://schemas.microsoft.com/office/drawing/2016/SVG/main" r:embed="rId8"/>
+              </a:ext>
+            </a:extLst>
+          </a:blip>
+          <a:stretch>
+            <a:fillRect/>
+          </a:stretch>
+        </p:blipFill>
+        <p:spPr>
+          <a:xfrm>
+            <a:off x="1186313" y="3618101"/>
+            <a:ext cx="914400" cy="914400"/>
+          </a:xfrm>
+          <a:prstGeom prst="rect">
+            <a:avLst/>
+          </a:prstGeom>
+        </p:spPr>
+      </p:pic>
+    </p:spTree>
+    <p:extLst>
+      <p:ext uri="{BB962C8B-B14F-4D97-AF65-F5344CB8AC3E}">
+        <p14:creationId xmlns:p14="http://schemas.microsoft.com/office/powerpoint/2010/main" val="3821588851"/>
       </p:ext>
     </p:extLst>
   </p:cSld>

--- a/doc/AMSI - Apresentação de Projeto Final.pptx
+++ b/doc/AMSI - Apresentação de Projeto Final.pptx
@@ -2566,7 +2566,7 @@
 <dgm:dataModel xmlns:dgm="http://schemas.openxmlformats.org/drawingml/2006/diagram" xmlns:a="http://schemas.openxmlformats.org/drawingml/2006/main">
   <dgm:ptLst>
     <dgm:pt modelId="{CAA69D9E-967C-4D52-A963-5CF0B6CD8823}" type="doc">
-      <dgm:prSet loTypeId="urn:microsoft.com/office/officeart/2005/8/layout/vList2" loCatId="list" qsTypeId="urn:microsoft.com/office/officeart/2005/8/quickstyle/simple5" qsCatId="simple" csTypeId="urn:microsoft.com/office/officeart/2005/8/colors/accent0_2" csCatId="mainScheme"/>
+      <dgm:prSet loTypeId="urn:microsoft.com/office/officeart/2005/8/layout/vList2" loCatId="list" qsTypeId="urn:microsoft.com/office/officeart/2005/8/quickstyle/simple5" qsCatId="simple" csTypeId="urn:microsoft.com/office/officeart/2005/8/colors/accent0_2" csCatId="mainScheme" phldr="1"/>
       <dgm:spPr/>
       <dgm:t>
         <a:bodyPr/>
@@ -3057,7 +3057,7 @@
             <a:buNone/>
           </a:pPr>
           <a:r>
-            <a:rPr lang="pt-PT" sz="2900" kern="1200">
+            <a:rPr lang="pt-PT" sz="2900" kern="1200" dirty="0">
               <a:solidFill>
                 <a:srgbClr val="67AEAA"/>
               </a:solidFill>
@@ -3065,9 +3065,9 @@
               <a:ea typeface="+mn-ea"/>
               <a:cs typeface="+mn-cs"/>
             </a:rPr>
-            <a:t>Mockups da Aplicação</a:t>
+            <a:t>Opções e Ideias</a:t>
           </a:r>
-          <a:endParaRPr lang="en-US" sz="2900" kern="1200">
+          <a:endParaRPr lang="en-US" sz="2900" kern="1200" dirty="0">
             <a:solidFill>
               <a:srgbClr val="67AEAA"/>
             </a:solidFill>
@@ -3120,7 +3120,7 @@
             <a:buNone/>
           </a:pPr>
           <a:r>
-            <a:rPr lang="pt-PT" sz="2900" kern="1200" dirty="0">
+            <a:rPr lang="pt-PT" sz="2900" kern="1200" noProof="0" dirty="0">
               <a:solidFill>
                 <a:srgbClr val="67AEAA"/>
               </a:solidFill>
@@ -3128,16 +3128,19 @@
               <a:ea typeface="+mn-ea"/>
               <a:cs typeface="+mn-cs"/>
             </a:rPr>
-            <a:t>Opções e Ideias</a:t>
+            <a:t>Tecnologias</a:t>
           </a:r>
-          <a:endParaRPr lang="en-US" sz="2900" kern="1200" dirty="0">
-            <a:solidFill>
-              <a:srgbClr val="67AEAA"/>
-            </a:solidFill>
-            <a:latin typeface="Franklin Gothic Book" panose="020F0502020204030204"/>
-            <a:ea typeface="+mn-ea"/>
-            <a:cs typeface="+mn-cs"/>
-          </a:endParaRPr>
+          <a:r>
+            <a:rPr lang="en-US" sz="2900" kern="1200" dirty="0">
+              <a:solidFill>
+                <a:srgbClr val="67AEAA"/>
+              </a:solidFill>
+              <a:latin typeface="Franklin Gothic Book" panose="020F0502020204030204"/>
+              <a:ea typeface="+mn-ea"/>
+              <a:cs typeface="+mn-cs"/>
+            </a:rPr>
+            <a:t> </a:t>
+          </a:r>
         </a:p>
       </dgm:t>
     </dgm:pt>
@@ -5118,7 +5121,7 @@
             <a:buNone/>
           </a:pPr>
           <a:r>
-            <a:rPr lang="pt-PT" sz="2900" kern="1200">
+            <a:rPr lang="pt-PT" sz="2900" kern="1200" dirty="0">
               <a:solidFill>
                 <a:srgbClr val="67AEAA"/>
               </a:solidFill>
@@ -5126,9 +5129,9 @@
               <a:ea typeface="+mn-ea"/>
               <a:cs typeface="+mn-cs"/>
             </a:rPr>
-            <a:t>Mockups da Aplicação</a:t>
+            <a:t>Opções e Ideias</a:t>
           </a:r>
-          <a:endParaRPr lang="en-US" sz="2900" kern="1200">
+          <a:endParaRPr lang="en-US" sz="2900" kern="1200" dirty="0">
             <a:solidFill>
               <a:srgbClr val="67AEAA"/>
             </a:solidFill>
@@ -5260,7 +5263,7 @@
             <a:buNone/>
           </a:pPr>
           <a:r>
-            <a:rPr lang="pt-PT" sz="2900" kern="1200" dirty="0">
+            <a:rPr lang="pt-PT" sz="2900" kern="1200" noProof="0" dirty="0">
               <a:solidFill>
                 <a:srgbClr val="67AEAA"/>
               </a:solidFill>
@@ -5268,16 +5271,19 @@
               <a:ea typeface="+mn-ea"/>
               <a:cs typeface="+mn-cs"/>
             </a:rPr>
-            <a:t>Opções e Ideias</a:t>
+            <a:t>Tecnologias</a:t>
           </a:r>
-          <a:endParaRPr lang="en-US" sz="2900" kern="1200" dirty="0">
-            <a:solidFill>
-              <a:srgbClr val="67AEAA"/>
-            </a:solidFill>
-            <a:latin typeface="Franklin Gothic Book" panose="020F0502020204030204"/>
-            <a:ea typeface="+mn-ea"/>
-            <a:cs typeface="+mn-cs"/>
-          </a:endParaRPr>
+          <a:r>
+            <a:rPr lang="en-US" sz="2900" kern="1200" dirty="0">
+              <a:solidFill>
+                <a:srgbClr val="67AEAA"/>
+              </a:solidFill>
+              <a:latin typeface="Franklin Gothic Book" panose="020F0502020204030204"/>
+              <a:ea typeface="+mn-ea"/>
+              <a:cs typeface="+mn-cs"/>
+            </a:rPr>
+            <a:t> </a:t>
+          </a:r>
         </a:p>
       </dsp:txBody>
       <dsp:txXfrm>
@@ -11103,7 +11109,7 @@
             <a:pPr rtl="0"/>
             <a:fld id="{EB928736-AA0B-442D-A1AF-8261F7034BF9}" type="datetime1">
               <a:rPr lang="pt-PT" smtClean="0"/>
-              <a:t>23/01/2022</a:t>
+              <a:t>24/01/2022</a:t>
             </a:fld>
             <a:endParaRPr lang="en-US" dirty="0"/>
           </a:p>
@@ -11273,7 +11279,7 @@
             <a:pPr rtl="0"/>
             <a:fld id="{CD4F8076-E201-4AD9-9292-9CDC6E4C499D}" type="datetime1">
               <a:rPr lang="pt-PT" smtClean="0"/>
-              <a:t>23/01/2022</a:t>
+              <a:t>24/01/2022</a:t>
             </a:fld>
             <a:endParaRPr lang="en-US"/>
           </a:p>
@@ -11793,7 +11799,7 @@
             <a:pPr rtl="0"/>
             <a:fld id="{9CED0CAB-5C98-4633-8227-766380E8BC6E}" type="datetime1">
               <a:rPr lang="pt-PT" smtClean="0"/>
-              <a:t>23/01/2022</a:t>
+              <a:t>24/01/2022</a:t>
             </a:fld>
             <a:endParaRPr lang="en-US" dirty="0"/>
           </a:p>
@@ -11993,7 +11999,7 @@
             <a:pPr rtl="0"/>
             <a:fld id="{8222BAA2-AC6B-4746-8053-EDC8606E535A}" type="datetime1">
               <a:rPr lang="pt-PT" smtClean="0"/>
-              <a:t>23/01/2022</a:t>
+              <a:t>24/01/2022</a:t>
             </a:fld>
             <a:endParaRPr lang="en-US" dirty="0"/>
           </a:p>
@@ -12243,7 +12249,7 @@
             <a:pPr rtl="0"/>
             <a:fld id="{8EDC9CF0-46A2-4AC7-9FA2-8EC67FAC0032}" type="datetime1">
               <a:rPr lang="pt-PT" smtClean="0"/>
-              <a:t>23/01/2022</a:t>
+              <a:t>24/01/2022</a:t>
             </a:fld>
             <a:endParaRPr lang="en-US" dirty="0"/>
           </a:p>
@@ -12439,7 +12445,7 @@
             <a:pPr rtl="0"/>
             <a:fld id="{BBC3D2EF-A9F1-401A-8C02-1662D96CBA0D}" type="datetime1">
               <a:rPr lang="pt-PT" smtClean="0"/>
-              <a:t>23/01/2022</a:t>
+              <a:t>24/01/2022</a:t>
             </a:fld>
             <a:endParaRPr lang="en-US" dirty="0"/>
           </a:p>
@@ -12816,7 +12822,7 @@
             <a:pPr rtl="0"/>
             <a:fld id="{57582FB0-8268-4450-AEFB-7C755E727544}" type="datetime1">
               <a:rPr lang="pt-PT" smtClean="0"/>
-              <a:t>23/01/2022</a:t>
+              <a:t>24/01/2022</a:t>
             </a:fld>
             <a:endParaRPr lang="en-US" dirty="0"/>
           </a:p>
@@ -13087,7 +13093,7 @@
             <a:pPr rtl="0"/>
             <a:fld id="{56E0A07F-0364-433A-B636-12526FBF2765}" type="datetime1">
               <a:rPr lang="pt-PT" smtClean="0"/>
-              <a:t>23/01/2022</a:t>
+              <a:t>24/01/2022</a:t>
             </a:fld>
             <a:endParaRPr lang="en-US" dirty="0"/>
           </a:p>
@@ -13500,7 +13506,7 @@
             <a:pPr rtl="0"/>
             <a:fld id="{125BCC9B-3D00-4038-B827-05429894F1D1}" type="datetime1">
               <a:rPr lang="pt-PT" smtClean="0"/>
-              <a:t>23/01/2022</a:t>
+              <a:t>24/01/2022</a:t>
             </a:fld>
             <a:endParaRPr lang="en-US" dirty="0"/>
           </a:p>
@@ -13644,7 +13650,7 @@
             <a:pPr rtl="0"/>
             <a:fld id="{CE5B8D0D-025A-4217-B697-16EEC070DDC8}" type="datetime1">
               <a:rPr lang="pt-PT" smtClean="0"/>
-              <a:t>23/01/2022</a:t>
+              <a:t>24/01/2022</a:t>
             </a:fld>
             <a:endParaRPr lang="en-US" dirty="0"/>
           </a:p>
@@ -13804,7 +13810,7 @@
             <a:pPr rtl="0"/>
             <a:fld id="{FA763092-FB88-4F2E-B7A9-6AD9CA079CD0}" type="datetime1">
               <a:rPr lang="pt-PT" smtClean="0"/>
-              <a:t>23/01/2022</a:t>
+              <a:t>24/01/2022</a:t>
             </a:fld>
             <a:endParaRPr lang="en-US" dirty="0"/>
           </a:p>
@@ -14137,7 +14143,7 @@
             <a:pPr rtl="0"/>
             <a:fld id="{E55777FD-C41C-4ED6-9788-E0BDB29FE28C}" type="datetime1">
               <a:rPr lang="pt-PT" smtClean="0"/>
-              <a:t>23/01/2022</a:t>
+              <a:t>24/01/2022</a:t>
             </a:fld>
             <a:endParaRPr lang="en-US" dirty="0"/>
           </a:p>
@@ -14492,7 +14498,7 @@
             <a:pPr rtl="0"/>
             <a:fld id="{E2C937DC-1FD7-45E0-8375-82F139FBDB0A}" type="datetime1">
               <a:rPr lang="pt-PT" smtClean="0"/>
-              <a:t>23/01/2022</a:t>
+              <a:t>24/01/2022</a:t>
             </a:fld>
             <a:endParaRPr lang="en-US" dirty="0"/>
           </a:p>
@@ -14756,7 +14762,7 @@
             <a:pPr rtl="0"/>
             <a:fld id="{1F5BAF06-A1C3-41CD-B482-A3F55490B9C6}" type="datetime1">
               <a:rPr lang="pt-PT" smtClean="0"/>
-              <a:t>23/01/2022</a:t>
+              <a:t>24/01/2022</a:t>
             </a:fld>
             <a:endParaRPr lang="en-US" dirty="0"/>
           </a:p>
@@ -15801,7 +15807,7 @@
             <a:pPr rtl="0"/>
             <a:fld id="{BBC3D2EF-A9F1-401A-8C02-1662D96CBA0D}" type="datetime1">
               <a:rPr lang="pt-PT" smtClean="0"/>
-              <a:t>23/01/2022</a:t>
+              <a:t>24/01/2022</a:t>
             </a:fld>
             <a:endParaRPr lang="en-US" dirty="0"/>
           </a:p>
@@ -16039,7 +16045,7 @@
             <a:pPr rtl="0"/>
             <a:fld id="{BBC3D2EF-A9F1-401A-8C02-1662D96CBA0D}" type="datetime1">
               <a:rPr lang="pt-PT" smtClean="0"/>
-              <a:t>23/01/2022</a:t>
+              <a:t>24/01/2022</a:t>
             </a:fld>
             <a:endParaRPr lang="en-US" dirty="0"/>
           </a:p>
@@ -16407,7 +16413,7 @@
             <a:pPr rtl="0"/>
             <a:fld id="{BBC3D2EF-A9F1-401A-8C02-1662D96CBA0D}" type="datetime1">
               <a:rPr lang="pt-PT" smtClean="0"/>
-              <a:t>23/01/2022</a:t>
+              <a:t>24/01/2022</a:t>
             </a:fld>
             <a:endParaRPr lang="en-US" dirty="0"/>
           </a:p>
@@ -16664,7 +16670,7 @@
             <p:ph idx="1"/>
             <p:extLst>
               <p:ext uri="{D42A27DB-BD31-4B8C-83A1-F6EECF244321}">
-                <p14:modId xmlns:p14="http://schemas.microsoft.com/office/powerpoint/2010/main" val="2877639320"/>
+                <p14:modId xmlns:p14="http://schemas.microsoft.com/office/powerpoint/2010/main" val="3089593038"/>
               </p:ext>
             </p:extLst>
           </p:nvPr>
@@ -16777,7 +16783,7 @@
             <a:pPr rtl="0"/>
             <a:fld id="{BBC3D2EF-A9F1-401A-8C02-1662D96CBA0D}" type="datetime1">
               <a:rPr lang="pt-PT" smtClean="0"/>
-              <a:t>23/01/2022</a:t>
+              <a:t>24/01/2022</a:t>
             </a:fld>
             <a:endParaRPr lang="en-US" dirty="0"/>
           </a:p>
@@ -17399,7 +17405,7 @@
             <a:pPr rtl="0"/>
             <a:fld id="{BBC3D2EF-A9F1-401A-8C02-1662D96CBA0D}" type="datetime1">
               <a:rPr lang="pt-PT" smtClean="0"/>
-              <a:t>23/01/2022</a:t>
+              <a:t>24/01/2022</a:t>
             </a:fld>
             <a:endParaRPr lang="en-US" dirty="0"/>
           </a:p>
@@ -17586,7 +17592,7 @@
             <a:pPr rtl="0"/>
             <a:fld id="{BBC3D2EF-A9F1-401A-8C02-1662D96CBA0D}" type="datetime1">
               <a:rPr lang="pt-PT" smtClean="0"/>
-              <a:t>23/01/2022</a:t>
+              <a:t>24/01/2022</a:t>
             </a:fld>
             <a:endParaRPr lang="en-US" dirty="0"/>
           </a:p>
@@ -17786,7 +17792,7 @@
             <a:pPr rtl="0"/>
             <a:fld id="{BBC3D2EF-A9F1-401A-8C02-1662D96CBA0D}" type="datetime1">
               <a:rPr lang="pt-PT" smtClean="0"/>
-              <a:t>23/01/2022</a:t>
+              <a:t>24/01/2022</a:t>
             </a:fld>
             <a:endParaRPr lang="en-US" dirty="0"/>
           </a:p>
@@ -18203,7 +18209,7 @@
             <a:pPr rtl="0"/>
             <a:fld id="{BBC3D2EF-A9F1-401A-8C02-1662D96CBA0D}" type="datetime1">
               <a:rPr lang="pt-PT" smtClean="0"/>
-              <a:t>23/01/2022</a:t>
+              <a:t>24/01/2022</a:t>
             </a:fld>
             <a:endParaRPr lang="en-US" dirty="0"/>
           </a:p>
@@ -18433,7 +18439,7 @@
             <a:pPr rtl="0"/>
             <a:fld id="{BBC3D2EF-A9F1-401A-8C02-1662D96CBA0D}" type="datetime1">
               <a:rPr lang="pt-PT" smtClean="0"/>
-              <a:t>23/01/2022</a:t>
+              <a:t>24/01/2022</a:t>
             </a:fld>
             <a:endParaRPr lang="en-US" dirty="0"/>
           </a:p>
@@ -18739,7 +18745,7 @@
             <a:pPr rtl="0"/>
             <a:fld id="{BBC3D2EF-A9F1-401A-8C02-1662D96CBA0D}" type="datetime1">
               <a:rPr lang="pt-PT" smtClean="0"/>
-              <a:t>23/01/2022</a:t>
+              <a:t>24/01/2022</a:t>
             </a:fld>
             <a:endParaRPr lang="en-US" dirty="0"/>
           </a:p>
